--- a/probavizsga.angol.pptx
+++ b/probavizsga.angol.pptx
@@ -132,6 +132,8 @@
     <p1510:client id="{0A6BAD9D-93CC-4C25-AD54-C02080D09EF9}" v="89" dt="2025-03-02T19:43:17.041"/>
     <p1510:client id="{42E69147-5052-D19D-3BCF-134DAEDCB0F8}" v="3" dt="2025-03-02T17:29:28.411"/>
     <p1510:client id="{7B226D22-5A1D-0F08-9E31-A8AE412D23CA}" v="606" dt="2025-03-02T19:22:04.312"/>
+    <p1510:client id="{B0073E06-2E83-7FDD-2DFB-810A0CE5F8C8}" v="1" dt="2025-03-03T12:07:45.579"/>
+    <p1510:client id="{D3D0E270-27D4-07F5-4386-BB0E1EB977FD}" v="66" dt="2025-03-03T12:10:09.256"/>
   </p1510:revLst>
 </p1510:revInfo>
 </file>
@@ -1802,7 +1804,7 @@
           <a:p>
             <a:fld id="{8F72BA41-EC5B-4197-BCC8-0FD2E523CD7A}" type="datetimeFigureOut">
               <a:rPr lang="en-US" smtClean="0"/>
-              <a:t>3/2/2025</a:t>
+              <a:t>3/3/2025</a:t>
             </a:fld>
             <a:endParaRPr lang="en-US"/>
           </a:p>
@@ -3501,7 +3503,7 @@
             <a:fld id="{8F72BA41-EC5B-4197-BCC8-0FD2E523CD7A}" type="datetimeFigureOut">
               <a:rPr lang="en-US" smtClean="0"/>
               <a:pPr/>
-              <a:t>3/2/2025</a:t>
+              <a:t>3/3/2025</a:t>
             </a:fld>
             <a:endParaRPr lang="en-US" dirty="0"/>
           </a:p>
@@ -6333,7 +6335,7 @@
                 <a:ea typeface="Calibri"/>
                 <a:cs typeface="Calibri"/>
               </a:rPr>
-              <a:t>"C" épület </a:t>
+              <a:t>"C" building</a:t>
             </a:r>
             <a:br>
               <a:rPr lang="hu-HU" sz="4200" dirty="0">
@@ -6515,11 +6517,8 @@
                 <a:ea typeface="Calibri"/>
                 <a:cs typeface="Calibri"/>
               </a:rPr>
-              <a:t>"D" épület </a:t>
-            </a:r>
-          </a:p>
-          <a:p>
-            <a:endParaRPr lang="hu-HU" dirty="0"/>
+              <a:t>"D" building </a:t>
+            </a:r>
           </a:p>
         </p:txBody>
       </p:sp>
@@ -7106,7 +7105,7 @@
               <a:buChar char="•"/>
             </a:pPr>
             <a:r>
-              <a:rPr lang="hu-HU" err="1">
+              <a:rPr lang="hu-HU" dirty="0" err="1">
                 <a:solidFill>
                   <a:schemeClr val="tx1"/>
                 </a:solidFill>
@@ -7123,7 +7122,27 @@
                 <a:ea typeface="+mn-lt"/>
                 <a:cs typeface="+mn-lt"/>
               </a:rPr>
-              <a:t> egy projekt- és feladatkezelő szoftver</a:t>
+              <a:t> is a project and </a:t>
+            </a:r>
+            <a:r>
+              <a:rPr lang="hu-HU" dirty="0" err="1">
+                <a:solidFill>
+                  <a:schemeClr val="tx1"/>
+                </a:solidFill>
+                <a:ea typeface="+mn-lt"/>
+                <a:cs typeface="+mn-lt"/>
+              </a:rPr>
+              <a:t>task</a:t>
+            </a:r>
+            <a:r>
+              <a:rPr lang="hu-HU" dirty="0">
+                <a:solidFill>
+                  <a:schemeClr val="tx1"/>
+                </a:solidFill>
+                <a:ea typeface="+mn-lt"/>
+                <a:cs typeface="+mn-lt"/>
+              </a:rPr>
+              <a:t> management software. </a:t>
             </a:r>
           </a:p>
           <a:p>
@@ -7135,17 +7154,230 @@
               <a:buChar char="•"/>
             </a:pPr>
             <a:r>
-              <a:rPr lang="hu-HU" dirty="0"/>
-              <a:t>Mi arra használtuk hogy az időt amit beleszántunk a projektbe idő </a:t>
-            </a:r>
-            <a:r>
-              <a:rPr lang="hu-HU" dirty="0" err="1"/>
-              <a:t>rögzitettük</a:t>
-            </a:r>
-            <a:r>
-              <a:rPr lang="hu-HU" dirty="0"/>
+              <a:rPr lang="hu-HU" dirty="0" err="1">
+                <a:solidFill>
+                  <a:schemeClr val="tx1"/>
+                </a:solidFill>
+                <a:ea typeface="+mn-lt"/>
+                <a:cs typeface="+mn-lt"/>
+              </a:rPr>
+              <a:t>We</a:t>
+            </a:r>
+            <a:r>
+              <a:rPr lang="hu-HU" dirty="0">
+                <a:solidFill>
+                  <a:schemeClr val="tx1"/>
+                </a:solidFill>
+                <a:ea typeface="+mn-lt"/>
+                <a:cs typeface="+mn-lt"/>
+              </a:rPr>
               <a:t> </a:t>
             </a:r>
+            <a:r>
+              <a:rPr lang="hu-HU" dirty="0" err="1">
+                <a:solidFill>
+                  <a:schemeClr val="tx1"/>
+                </a:solidFill>
+                <a:ea typeface="+mn-lt"/>
+                <a:cs typeface="+mn-lt"/>
+              </a:rPr>
+              <a:t>used</a:t>
+            </a:r>
+            <a:r>
+              <a:rPr lang="hu-HU" dirty="0">
+                <a:solidFill>
+                  <a:schemeClr val="tx1"/>
+                </a:solidFill>
+                <a:ea typeface="+mn-lt"/>
+                <a:cs typeface="+mn-lt"/>
+              </a:rPr>
+              <a:t> </a:t>
+            </a:r>
+            <a:r>
+              <a:rPr lang="hu-HU" dirty="0" err="1">
+                <a:solidFill>
+                  <a:schemeClr val="tx1"/>
+                </a:solidFill>
+                <a:ea typeface="+mn-lt"/>
+                <a:cs typeface="+mn-lt"/>
+              </a:rPr>
+              <a:t>it</a:t>
+            </a:r>
+            <a:r>
+              <a:rPr lang="hu-HU" dirty="0">
+                <a:solidFill>
+                  <a:schemeClr val="tx1"/>
+                </a:solidFill>
+                <a:ea typeface="+mn-lt"/>
+                <a:cs typeface="+mn-lt"/>
+              </a:rPr>
+              <a:t> </a:t>
+            </a:r>
+            <a:r>
+              <a:rPr lang="hu-HU" dirty="0" err="1">
+                <a:solidFill>
+                  <a:schemeClr val="tx1"/>
+                </a:solidFill>
+                <a:ea typeface="+mn-lt"/>
+                <a:cs typeface="+mn-lt"/>
+              </a:rPr>
+              <a:t>to</a:t>
+            </a:r>
+            <a:r>
+              <a:rPr lang="hu-HU" dirty="0">
+                <a:solidFill>
+                  <a:schemeClr val="tx1"/>
+                </a:solidFill>
+                <a:ea typeface="+mn-lt"/>
+                <a:cs typeface="+mn-lt"/>
+              </a:rPr>
+              <a:t> </a:t>
+            </a:r>
+            <a:r>
+              <a:rPr lang="hu-HU" dirty="0" err="1">
+                <a:solidFill>
+                  <a:schemeClr val="tx1"/>
+                </a:solidFill>
+                <a:ea typeface="+mn-lt"/>
+                <a:cs typeface="+mn-lt"/>
+              </a:rPr>
+              <a:t>track</a:t>
+            </a:r>
+            <a:r>
+              <a:rPr lang="hu-HU" dirty="0">
+                <a:solidFill>
+                  <a:schemeClr val="tx1"/>
+                </a:solidFill>
+                <a:ea typeface="+mn-lt"/>
+                <a:cs typeface="+mn-lt"/>
+              </a:rPr>
+              <a:t> </a:t>
+            </a:r>
+            <a:r>
+              <a:rPr lang="hu-HU" dirty="0" err="1">
+                <a:solidFill>
+                  <a:schemeClr val="tx1"/>
+                </a:solidFill>
+                <a:ea typeface="+mn-lt"/>
+                <a:cs typeface="+mn-lt"/>
+              </a:rPr>
+              <a:t>the</a:t>
+            </a:r>
+            <a:r>
+              <a:rPr lang="hu-HU" dirty="0">
+                <a:solidFill>
+                  <a:schemeClr val="tx1"/>
+                </a:solidFill>
+                <a:ea typeface="+mn-lt"/>
+                <a:cs typeface="+mn-lt"/>
+              </a:rPr>
+              <a:t> </a:t>
+            </a:r>
+            <a:r>
+              <a:rPr lang="hu-HU" dirty="0" err="1">
+                <a:solidFill>
+                  <a:schemeClr val="tx1"/>
+                </a:solidFill>
+                <a:ea typeface="+mn-lt"/>
+                <a:cs typeface="+mn-lt"/>
+              </a:rPr>
+              <a:t>time</a:t>
+            </a:r>
+            <a:r>
+              <a:rPr lang="hu-HU" dirty="0">
+                <a:solidFill>
+                  <a:schemeClr val="tx1"/>
+                </a:solidFill>
+                <a:ea typeface="+mn-lt"/>
+                <a:cs typeface="+mn-lt"/>
+              </a:rPr>
+              <a:t> </a:t>
+            </a:r>
+            <a:r>
+              <a:rPr lang="hu-HU" dirty="0" err="1">
+                <a:solidFill>
+                  <a:schemeClr val="tx1"/>
+                </a:solidFill>
+                <a:ea typeface="+mn-lt"/>
+                <a:cs typeface="+mn-lt"/>
+              </a:rPr>
+              <a:t>we</a:t>
+            </a:r>
+            <a:r>
+              <a:rPr lang="hu-HU" dirty="0">
+                <a:solidFill>
+                  <a:schemeClr val="tx1"/>
+                </a:solidFill>
+                <a:ea typeface="+mn-lt"/>
+                <a:cs typeface="+mn-lt"/>
+              </a:rPr>
+              <a:t> </a:t>
+            </a:r>
+            <a:r>
+              <a:rPr lang="hu-HU" dirty="0" err="1">
+                <a:solidFill>
+                  <a:schemeClr val="tx1"/>
+                </a:solidFill>
+                <a:ea typeface="+mn-lt"/>
+                <a:cs typeface="+mn-lt"/>
+              </a:rPr>
+              <a:t>spent</a:t>
+            </a:r>
+            <a:r>
+              <a:rPr lang="hu-HU" dirty="0">
+                <a:solidFill>
+                  <a:schemeClr val="tx1"/>
+                </a:solidFill>
+                <a:ea typeface="+mn-lt"/>
+                <a:cs typeface="+mn-lt"/>
+              </a:rPr>
+              <a:t> </a:t>
+            </a:r>
+            <a:r>
+              <a:rPr lang="hu-HU" dirty="0" err="1">
+                <a:solidFill>
+                  <a:schemeClr val="tx1"/>
+                </a:solidFill>
+                <a:ea typeface="+mn-lt"/>
+                <a:cs typeface="+mn-lt"/>
+              </a:rPr>
+              <a:t>on</a:t>
+            </a:r>
+            <a:r>
+              <a:rPr lang="hu-HU" dirty="0">
+                <a:solidFill>
+                  <a:schemeClr val="tx1"/>
+                </a:solidFill>
+                <a:ea typeface="+mn-lt"/>
+                <a:cs typeface="+mn-lt"/>
+              </a:rPr>
+              <a:t> </a:t>
+            </a:r>
+            <a:r>
+              <a:rPr lang="hu-HU" dirty="0" err="1">
+                <a:solidFill>
+                  <a:schemeClr val="tx1"/>
+                </a:solidFill>
+                <a:ea typeface="+mn-lt"/>
+                <a:cs typeface="+mn-lt"/>
+              </a:rPr>
+              <a:t>the</a:t>
+            </a:r>
+            <a:r>
+              <a:rPr lang="hu-HU" dirty="0">
+                <a:solidFill>
+                  <a:schemeClr val="tx1"/>
+                </a:solidFill>
+                <a:ea typeface="+mn-lt"/>
+                <a:cs typeface="+mn-lt"/>
+              </a:rPr>
+              <a:t> project.</a:t>
+            </a:r>
+            <a:endParaRPr lang="hu-HU" dirty="0">
+              <a:solidFill>
+                <a:schemeClr val="tx1"/>
+              </a:solidFill>
+            </a:endParaRPr>
           </a:p>
         </p:txBody>
       </p:sp>
@@ -7231,7 +7463,7 @@
         </p:blipFill>
         <p:spPr>
           <a:xfrm>
-            <a:off x="1706019" y="4652049"/>
+            <a:off x="1647900" y="4652049"/>
             <a:ext cx="2682136" cy="2203537"/>
           </a:xfrm>
           <a:prstGeom prst="rect">
@@ -8336,98 +8568,284 @@
           </a:bodyPr>
           <a:lstStyle/>
           <a:p>
-            <a:pPr marL="285750" indent="-285750">
-              <a:lnSpc>
-                <a:spcPct val="100000"/>
-              </a:lnSpc>
+            <a:pPr>
               <a:buFont typeface="Arial"/>
               <a:buChar char="•"/>
             </a:pPr>
             <a:r>
+              <a:rPr lang="hu-HU" dirty="0" err="1">
+                <a:solidFill>
+                  <a:schemeClr val="tx1"/>
+                </a:solidFill>
+                <a:ea typeface="+mn-lt"/>
+                <a:cs typeface="+mn-lt"/>
+              </a:rPr>
+              <a:t>Ensures</a:t>
+            </a:r>
+            <a:r>
               <a:rPr lang="hu-HU" dirty="0">
                 <a:solidFill>
                   <a:schemeClr val="tx1"/>
                 </a:solidFill>
-                <a:latin typeface="Century Gothic"/>
-              </a:rPr>
-              <a:t>Adatbiztonság garantálása</a:t>
-            </a:r>
+                <a:ea typeface="+mn-lt"/>
+                <a:cs typeface="+mn-lt"/>
+              </a:rPr>
+              <a:t> </a:t>
+            </a:r>
+            <a:r>
+              <a:rPr lang="hu-HU" dirty="0" err="1">
+                <a:solidFill>
+                  <a:schemeClr val="tx1"/>
+                </a:solidFill>
+                <a:ea typeface="+mn-lt"/>
+                <a:cs typeface="+mn-lt"/>
+              </a:rPr>
+              <a:t>data</a:t>
+            </a:r>
+            <a:r>
+              <a:rPr lang="hu-HU" dirty="0">
+                <a:solidFill>
+                  <a:schemeClr val="tx1"/>
+                </a:solidFill>
+                <a:ea typeface="+mn-lt"/>
+                <a:cs typeface="+mn-lt"/>
+              </a:rPr>
+              <a:t> </a:t>
+            </a:r>
+            <a:r>
+              <a:rPr lang="hu-HU" dirty="0" err="1">
+                <a:solidFill>
+                  <a:schemeClr val="tx1"/>
+                </a:solidFill>
+                <a:ea typeface="+mn-lt"/>
+                <a:cs typeface="+mn-lt"/>
+              </a:rPr>
+              <a:t>security</a:t>
+            </a:r>
+            <a:endParaRPr lang="hu-HU" dirty="0" err="1">
+              <a:solidFill>
+                <a:schemeClr val="tx1"/>
+              </a:solidFill>
+            </a:endParaRPr>
+          </a:p>
+          <a:p>
+            <a:pPr>
+              <a:buFont typeface="Arial"/>
+              <a:buChar char="•"/>
+            </a:pPr>
+            <a:r>
+              <a:rPr lang="hu-HU" dirty="0" err="1">
+                <a:solidFill>
+                  <a:schemeClr val="tx1"/>
+                </a:solidFill>
+                <a:ea typeface="+mn-lt"/>
+                <a:cs typeface="+mn-lt"/>
+              </a:rPr>
+              <a:t>Efficient</a:t>
+            </a:r>
+            <a:r>
+              <a:rPr lang="hu-HU" dirty="0">
+                <a:solidFill>
+                  <a:schemeClr val="tx1"/>
+                </a:solidFill>
+                <a:ea typeface="+mn-lt"/>
+                <a:cs typeface="+mn-lt"/>
+              </a:rPr>
+              <a:t> </a:t>
+            </a:r>
+            <a:r>
+              <a:rPr lang="hu-HU" dirty="0" err="1">
+                <a:solidFill>
+                  <a:schemeClr val="tx1"/>
+                </a:solidFill>
+                <a:ea typeface="+mn-lt"/>
+                <a:cs typeface="+mn-lt"/>
+              </a:rPr>
+              <a:t>data</a:t>
+            </a:r>
+            <a:r>
+              <a:rPr lang="hu-HU" dirty="0">
+                <a:solidFill>
+                  <a:schemeClr val="tx1"/>
+                </a:solidFill>
+                <a:ea typeface="+mn-lt"/>
+                <a:cs typeface="+mn-lt"/>
+              </a:rPr>
+              <a:t> management</a:t>
+            </a:r>
+            <a:endParaRPr lang="hu-HU" dirty="0">
+              <a:solidFill>
+                <a:schemeClr val="tx1"/>
+              </a:solidFill>
+            </a:endParaRPr>
+          </a:p>
+          <a:p>
+            <a:pPr>
+              <a:buFont typeface="Arial"/>
+              <a:buChar char="•"/>
+            </a:pPr>
+            <a:r>
+              <a:rPr lang="hu-HU" dirty="0" err="1">
+                <a:solidFill>
+                  <a:schemeClr val="tx1"/>
+                </a:solidFill>
+                <a:ea typeface="+mn-lt"/>
+                <a:cs typeface="+mn-lt"/>
+              </a:rPr>
+              <a:t>Fast</a:t>
+            </a:r>
+            <a:r>
+              <a:rPr lang="hu-HU" dirty="0">
+                <a:solidFill>
+                  <a:schemeClr val="tx1"/>
+                </a:solidFill>
+                <a:ea typeface="+mn-lt"/>
+                <a:cs typeface="+mn-lt"/>
+              </a:rPr>
+              <a:t> and </a:t>
+            </a:r>
+            <a:r>
+              <a:rPr lang="hu-HU" dirty="0" err="1">
+                <a:solidFill>
+                  <a:schemeClr val="tx1"/>
+                </a:solidFill>
+                <a:ea typeface="+mn-lt"/>
+                <a:cs typeface="+mn-lt"/>
+              </a:rPr>
+              <a:t>secure</a:t>
+            </a:r>
+            <a:r>
+              <a:rPr lang="hu-HU" dirty="0">
+                <a:solidFill>
+                  <a:schemeClr val="tx1"/>
+                </a:solidFill>
+                <a:ea typeface="+mn-lt"/>
+                <a:cs typeface="+mn-lt"/>
+              </a:rPr>
+              <a:t> </a:t>
+            </a:r>
+            <a:r>
+              <a:rPr lang="hu-HU" dirty="0" err="1">
+                <a:solidFill>
+                  <a:schemeClr val="tx1"/>
+                </a:solidFill>
+                <a:ea typeface="+mn-lt"/>
+                <a:cs typeface="+mn-lt"/>
+              </a:rPr>
+              <a:t>communication</a:t>
+            </a:r>
+            <a:endParaRPr lang="hu-HU" dirty="0" err="1"/>
+          </a:p>
+          <a:p>
+            <a:pPr>
+              <a:buFont typeface="Arial"/>
+              <a:buChar char="•"/>
+            </a:pPr>
+            <a:r>
+              <a:rPr lang="hu-HU" dirty="0" err="1">
+                <a:solidFill>
+                  <a:schemeClr val="tx1"/>
+                </a:solidFill>
+                <a:ea typeface="+mn-lt"/>
+                <a:cs typeface="+mn-lt"/>
+              </a:rPr>
+              <a:t>Automatic</a:t>
+            </a:r>
+            <a:r>
+              <a:rPr lang="hu-HU" dirty="0">
+                <a:solidFill>
+                  <a:schemeClr val="tx1"/>
+                </a:solidFill>
+                <a:ea typeface="+mn-lt"/>
+                <a:cs typeface="+mn-lt"/>
+              </a:rPr>
+              <a:t> </a:t>
+            </a:r>
+            <a:r>
+              <a:rPr lang="hu-HU" dirty="0" err="1">
+                <a:solidFill>
+                  <a:schemeClr val="tx1"/>
+                </a:solidFill>
+                <a:ea typeface="+mn-lt"/>
+                <a:cs typeface="+mn-lt"/>
+              </a:rPr>
+              <a:t>attack</a:t>
+            </a:r>
+            <a:r>
+              <a:rPr lang="hu-HU" dirty="0">
+                <a:solidFill>
+                  <a:schemeClr val="tx1"/>
+                </a:solidFill>
+                <a:ea typeface="+mn-lt"/>
+                <a:cs typeface="+mn-lt"/>
+              </a:rPr>
+              <a:t> </a:t>
+            </a:r>
+            <a:r>
+              <a:rPr lang="hu-HU" dirty="0" err="1">
+                <a:solidFill>
+                  <a:schemeClr val="tx1"/>
+                </a:solidFill>
+                <a:ea typeface="+mn-lt"/>
+                <a:cs typeface="+mn-lt"/>
+              </a:rPr>
+              <a:t>protection</a:t>
+            </a:r>
+            <a:endParaRPr lang="hu-HU" dirty="0" err="1"/>
+          </a:p>
+          <a:p>
+            <a:pPr>
+              <a:buFont typeface="Arial"/>
+              <a:buChar char="•"/>
+            </a:pPr>
+            <a:r>
+              <a:rPr lang="hu-HU" dirty="0" err="1">
+                <a:solidFill>
+                  <a:schemeClr val="tx1"/>
+                </a:solidFill>
+                <a:ea typeface="+mn-lt"/>
+                <a:cs typeface="+mn-lt"/>
+              </a:rPr>
+              <a:t>Better</a:t>
+            </a:r>
+            <a:r>
+              <a:rPr lang="hu-HU" dirty="0">
+                <a:solidFill>
+                  <a:schemeClr val="tx1"/>
+                </a:solidFill>
+                <a:ea typeface="+mn-lt"/>
+                <a:cs typeface="+mn-lt"/>
+              </a:rPr>
+              <a:t> market </a:t>
+            </a:r>
+            <a:r>
+              <a:rPr lang="hu-HU" dirty="0" err="1">
+                <a:solidFill>
+                  <a:schemeClr val="tx1"/>
+                </a:solidFill>
+                <a:ea typeface="+mn-lt"/>
+                <a:cs typeface="+mn-lt"/>
+              </a:rPr>
+              <a:t>visibility</a:t>
+            </a:r>
+            <a:endParaRPr lang="hu-HU" dirty="0" err="1"/>
           </a:p>
           <a:p>
             <a:pPr marL="285750" indent="-285750">
               <a:lnSpc>
                 <a:spcPct val="100000"/>
               </a:lnSpc>
+              <a:buClr>
+                <a:srgbClr val="8D87A6"/>
+              </a:buClr>
               <a:buFont typeface="Arial"/>
               <a:buChar char="•"/>
             </a:pPr>
-            <a:r>
-              <a:rPr lang="hu-HU" dirty="0">
-                <a:solidFill>
-                  <a:schemeClr val="tx1"/>
-                </a:solidFill>
-                <a:latin typeface="Century Gothic"/>
-              </a:rPr>
-              <a:t>Hatékony adatkezelés</a:t>
-            </a:r>
-          </a:p>
-          <a:p>
-            <a:pPr marL="285750" indent="-285750">
-              <a:lnSpc>
-                <a:spcPct val="100000"/>
-              </a:lnSpc>
-              <a:buFont typeface="Arial"/>
-              <a:buChar char="•"/>
-            </a:pPr>
-            <a:r>
-              <a:rPr lang="hu-HU" dirty="0">
-                <a:solidFill>
-                  <a:schemeClr val="tx1"/>
-                </a:solidFill>
-                <a:latin typeface="Century Gothic"/>
-              </a:rPr>
-              <a:t>Gyors és biztonságos kommunikáció</a:t>
-            </a:r>
-          </a:p>
-          <a:p>
-            <a:pPr marL="285750" indent="-285750">
-              <a:lnSpc>
-                <a:spcPct val="100000"/>
-              </a:lnSpc>
-              <a:buFont typeface="Arial"/>
-              <a:buChar char="•"/>
-            </a:pPr>
-            <a:r>
-              <a:rPr lang="hu-HU" dirty="0">
-                <a:solidFill>
-                  <a:schemeClr val="tx1"/>
-                </a:solidFill>
-                <a:latin typeface="Century Gothic"/>
-              </a:rPr>
-              <a:t>Automatikus támadásvédelem</a:t>
-            </a:r>
-          </a:p>
-          <a:p>
-            <a:pPr marL="285750" indent="-285750">
-              <a:lnSpc>
-                <a:spcPct val="100000"/>
-              </a:lnSpc>
-              <a:buFont typeface="Arial"/>
-              <a:buChar char="•"/>
-            </a:pPr>
-            <a:r>
-              <a:rPr lang="hu-HU" dirty="0">
-                <a:solidFill>
-                  <a:schemeClr val="tx1"/>
-                </a:solidFill>
-                <a:latin typeface="Century Gothic"/>
-              </a:rPr>
-              <a:t>Jobb láthatóság a piacon</a:t>
-            </a:r>
-            <a:endParaRPr lang="hu-HU">
+            <a:endParaRPr lang="hu-HU" dirty="0">
               <a:solidFill>
                 <a:schemeClr val="tx1"/>
               </a:solidFill>
+              <a:latin typeface="Century Gothic"/>
             </a:endParaRPr>
           </a:p>
         </p:txBody>
@@ -9566,9 +9984,9 @@
                 <a:ea typeface="+mn-lt"/>
                 <a:cs typeface="+mn-lt"/>
               </a:rPr>
-              <a:t> Testing Building A</a:t>
-            </a:r>
-            <a:endParaRPr lang="hu-HU" dirty="0"/>
+              <a:t> Testing , Building A</a:t>
+            </a:r>
+            <a:endParaRPr lang="hu-HU"/>
           </a:p>
           <a:p>
             <a:pPr marL="285750" indent="-285750">
@@ -9615,7 +10033,7 @@
                 <a:ea typeface="+mn-lt"/>
                 <a:cs typeface="+mn-lt"/>
               </a:rPr>
-              <a:t>  Building D</a:t>
+              <a:t> ,  Building D</a:t>
             </a:r>
             <a:endParaRPr lang="hu-HU" dirty="0"/>
           </a:p>
@@ -11567,7 +11985,7 @@
               <a:rPr lang="hu-HU" dirty="0">
                 <a:latin typeface="Century Gothic"/>
               </a:rPr>
-              <a:t>Hálózati </a:t>
+              <a:t>Network </a:t>
             </a:r>
             <a:r>
               <a:rPr lang="hu-HU" dirty="0" err="1">
@@ -11575,6 +11993,9 @@
               </a:rPr>
               <a:t>Topology</a:t>
             </a:r>
+            <a:endParaRPr lang="hu-HU" dirty="0">
+              <a:latin typeface="Century Gothic"/>
+            </a:endParaRPr>
           </a:p>
           <a:p>
             <a:endParaRPr lang="hu-HU" dirty="0"/>
@@ -11675,7 +12096,7 @@
                 <a:ea typeface="Calibri"/>
                 <a:cs typeface="Calibri"/>
               </a:rPr>
-              <a:t>"A" épület</a:t>
+              <a:t>"A" building</a:t>
             </a:r>
           </a:p>
           <a:p>
@@ -11856,7 +12277,7 @@
                 <a:ea typeface="Calibri"/>
                 <a:cs typeface="Calibri"/>
               </a:rPr>
-              <a:t>"B" épület</a:t>
+              <a:t>"B" building</a:t>
             </a:r>
           </a:p>
           <a:p>
